--- a/SegundaClase/Estructura de Datos.pptx
+++ b/SegundaClase/Estructura de Datos.pptx
@@ -380,7 +380,7 @@
           <a:p>
             <a:fld id="{9184DA70-C731-4C70-880D-CCD4705E623C}" type="datetime1">
               <a:rPr lang="en-US" smtClean="0"/>
-              <a:t>8/21/2021</a:t>
+              <a:t>8/28/2021</a:t>
             </a:fld>
             <a:endParaRPr lang="en-US" dirty="0"/>
           </a:p>
@@ -568,7 +568,7 @@
           <a:p>
             <a:fld id="{B612A279-0833-481D-8C56-F67FD0AC6C50}" type="datetime1">
               <a:rPr lang="en-US" smtClean="0"/>
-              <a:t>8/21/2021</a:t>
+              <a:t>8/28/2021</a:t>
             </a:fld>
             <a:endParaRPr lang="en-US" dirty="0"/>
           </a:p>
@@ -810,7 +810,7 @@
           <a:p>
             <a:fld id="{6587DA83-5663-4C9C-B9AA-0B40A3DAFF81}" type="datetime1">
               <a:rPr lang="en-US" smtClean="0"/>
-              <a:t>8/21/2021</a:t>
+              <a:t>8/28/2021</a:t>
             </a:fld>
             <a:endParaRPr lang="en-US" dirty="0"/>
           </a:p>
@@ -998,7 +998,7 @@
           <a:p>
             <a:fld id="{4BE1D723-8F53-4F53-90B0-1982A396982E}" type="datetime1">
               <a:rPr lang="en-US" smtClean="0"/>
-              <a:t>8/21/2021</a:t>
+              <a:t>8/28/2021</a:t>
             </a:fld>
             <a:endParaRPr lang="en-US" dirty="0"/>
           </a:p>
@@ -1371,7 +1371,7 @@
           <a:p>
             <a:fld id="{97669AF7-7BEB-44E4-9852-375E34362B5B}" type="datetime1">
               <a:rPr lang="en-US" smtClean="0"/>
-              <a:t>8/21/2021</a:t>
+              <a:t>8/28/2021</a:t>
             </a:fld>
             <a:endParaRPr lang="en-US" dirty="0"/>
           </a:p>
@@ -1626,7 +1626,7 @@
           <a:p>
             <a:fld id="{BAAAC38D-0552-4C82-B593-E6124DFADBE2}" type="datetime1">
               <a:rPr lang="en-US" smtClean="0"/>
-              <a:t>8/21/2021</a:t>
+              <a:t>8/28/2021</a:t>
             </a:fld>
             <a:endParaRPr lang="en-US" dirty="0"/>
           </a:p>
@@ -2023,7 +2023,7 @@
           <a:p>
             <a:fld id="{D9DF0F1C-5577-4ACB-BB62-DF8F3C494C7E}" type="datetime1">
               <a:rPr lang="en-US" smtClean="0"/>
-              <a:t>8/21/2021</a:t>
+              <a:t>8/28/2021</a:t>
             </a:fld>
             <a:endParaRPr lang="en-US" dirty="0"/>
           </a:p>
@@ -2159,7 +2159,7 @@
           <a:p>
             <a:fld id="{1775B394-D9F9-4F0C-B15D-605F45CB9E9F}" type="datetime1">
               <a:rPr lang="en-US" smtClean="0"/>
-              <a:t>8/21/2021</a:t>
+              <a:t>8/28/2021</a:t>
             </a:fld>
             <a:endParaRPr lang="en-US" dirty="0"/>
           </a:p>
@@ -2316,7 +2316,7 @@
           <a:p>
             <a:fld id="{39667345-2558-425A-8533-9BFDBCE15005}" type="datetime1">
               <a:rPr lang="en-US" smtClean="0"/>
-              <a:t>8/21/2021</a:t>
+              <a:t>8/28/2021</a:t>
             </a:fld>
             <a:endParaRPr lang="en-US" dirty="0"/>
           </a:p>
@@ -2645,7 +2645,7 @@
           <a:p>
             <a:fld id="{92BEA474-078D-4E9B-9B14-09A87B19DC46}" type="datetime1">
               <a:rPr lang="en-US" smtClean="0"/>
-              <a:t>8/21/2021</a:t>
+              <a:t>8/28/2021</a:t>
             </a:fld>
             <a:endParaRPr lang="en-US" dirty="0"/>
           </a:p>
@@ -2995,7 +2995,7 @@
           <a:p>
             <a:fld id="{4907D986-8816-4272-A432-0437A28A9828}" type="datetime1">
               <a:rPr lang="en-US" smtClean="0"/>
-              <a:t>8/21/2021</a:t>
+              <a:t>8/28/2021</a:t>
             </a:fld>
             <a:endParaRPr lang="en-US" dirty="0"/>
           </a:p>
@@ -3256,7 +3256,7 @@
           <a:p>
             <a:fld id="{62D6E202-B606-4609-B914-27C9371A1F6D}" type="datetime1">
               <a:rPr lang="en-US" smtClean="0"/>
-              <a:t>8/21/2021</a:t>
+              <a:t>8/28/2021</a:t>
             </a:fld>
             <a:endParaRPr lang="en-US" dirty="0"/>
           </a:p>
@@ -6837,6 +6837,66 @@
           </a:p>
         </p:txBody>
       </p:sp>
+      <p:pic>
+        <p:nvPicPr>
+          <p:cNvPr id="3" name="Picture 2">
+            <a:extLst>
+              <a:ext uri="{FF2B5EF4-FFF2-40B4-BE49-F238E27FC236}">
+                <a16:creationId xmlns:a16="http://schemas.microsoft.com/office/drawing/2014/main" id="{561396A8-0D72-4C30-8238-F3A32E593685}"/>
+              </a:ext>
+            </a:extLst>
+          </p:cNvPr>
+          <p:cNvPicPr>
+            <a:picLocks noChangeAspect="1"/>
+          </p:cNvPicPr>
+          <p:nvPr/>
+        </p:nvPicPr>
+        <p:blipFill>
+          <a:blip r:embed="rId2"/>
+          <a:stretch>
+            <a:fillRect/>
+          </a:stretch>
+        </p:blipFill>
+        <p:spPr>
+          <a:xfrm>
+            <a:off x="4905674" y="126285"/>
+            <a:ext cx="6642860" cy="3414169"/>
+          </a:xfrm>
+          <a:prstGeom prst="rect">
+            <a:avLst/>
+          </a:prstGeom>
+        </p:spPr>
+      </p:pic>
+      <p:pic>
+        <p:nvPicPr>
+          <p:cNvPr id="5" name="Picture 4">
+            <a:extLst>
+              <a:ext uri="{FF2B5EF4-FFF2-40B4-BE49-F238E27FC236}">
+                <a16:creationId xmlns:a16="http://schemas.microsoft.com/office/drawing/2014/main" id="{58C8A4EA-B2F2-4770-9E97-CA12419093D7}"/>
+              </a:ext>
+            </a:extLst>
+          </p:cNvPr>
+          <p:cNvPicPr>
+            <a:picLocks noChangeAspect="1"/>
+          </p:cNvPicPr>
+          <p:nvPr/>
+        </p:nvPicPr>
+        <p:blipFill>
+          <a:blip r:embed="rId3"/>
+          <a:stretch>
+            <a:fillRect/>
+          </a:stretch>
+        </p:blipFill>
+        <p:spPr>
+          <a:xfrm>
+            <a:off x="8823280" y="3043050"/>
+            <a:ext cx="2505075" cy="3524250"/>
+          </a:xfrm>
+          <a:prstGeom prst="rect">
+            <a:avLst/>
+          </a:prstGeom>
+        </p:spPr>
+      </p:pic>
     </p:spTree>
     <p:extLst>
       <p:ext uri="{BB962C8B-B14F-4D97-AF65-F5344CB8AC3E}">
